--- a/assignment-2/ATAX Problem Optimization.pptx
+++ b/assignment-2/ATAX Problem Optimization.pptx
@@ -122,6 +122,11 @@
       </a:defRPr>
     </a:lvl9pPr>
   </p:defaultTextStyle>
+  <p:extLst>
+    <p:ext uri="{EFAFB233-063F-42B5-8137-9DF3F51BA10A}">
+      <p15:sldGuideLst xmlns:p15="http://schemas.microsoft.com/office/powerpoint/2012/main"/>
+    </p:ext>
+  </p:extLst>
 </p:presentation>
 </file>
 
@@ -12261,6 +12266,86 @@
           </a:prstGeom>
         </p:spPr>
       </p:pic>
+      <p:sp>
+        <p:nvSpPr>
+          <p:cNvPr id="2" name="CasellaDiTesto 1">
+            <a:extLst>
+              <a:ext uri="{FF2B5EF4-FFF2-40B4-BE49-F238E27FC236}">
+                <a16:creationId xmlns:a16="http://schemas.microsoft.com/office/drawing/2014/main" id="{147599E4-1A45-8F64-479D-81787F64C4D0}"/>
+              </a:ext>
+            </a:extLst>
+          </p:cNvPr>
+          <p:cNvSpPr txBox="1"/>
+          <p:nvPr/>
+        </p:nvSpPr>
+        <p:spPr>
+          <a:xfrm>
+            <a:off x="833163" y="5515896"/>
+            <a:ext cx="8451544" cy="400110"/>
+          </a:xfrm>
+          <a:prstGeom prst="rect">
+            <a:avLst/>
+          </a:prstGeom>
+          <a:noFill/>
+        </p:spPr>
+        <p:txBody>
+          <a:bodyPr wrap="none" rtlCol="0">
+            <a:spAutoFit/>
+          </a:bodyPr>
+          <a:lstStyle/>
+          <a:p>
+            <a:r>
+              <a:rPr lang="it-IT" sz="2000" dirty="0"/>
+              <a:t>Plus </a:t>
+            </a:r>
+            <a:r>
+              <a:rPr lang="it-IT" sz="2000" dirty="0" err="1"/>
+              <a:t>another</a:t>
+            </a:r>
+            <a:r>
+              <a:rPr lang="it-IT" sz="2000" dirty="0"/>
+              <a:t> </a:t>
+            </a:r>
+            <a:r>
+              <a:rPr lang="it-IT" sz="2000" dirty="0" err="1"/>
+              <a:t>version</a:t>
+            </a:r>
+            <a:r>
+              <a:rPr lang="it-IT" sz="2000" dirty="0"/>
+              <a:t> </a:t>
+            </a:r>
+            <a:r>
+              <a:rPr lang="it-IT" sz="2000" dirty="0" err="1"/>
+              <a:t>using</a:t>
+            </a:r>
+            <a:r>
+              <a:rPr lang="it-IT" sz="2000" dirty="0"/>
+              <a:t> the </a:t>
+            </a:r>
+            <a:r>
+              <a:rPr lang="it-IT" sz="2000" dirty="0" err="1"/>
+              <a:t>shared</a:t>
+            </a:r>
+            <a:r>
+              <a:rPr lang="it-IT" sz="2000" dirty="0"/>
+              <a:t> memory for the </a:t>
+            </a:r>
+            <a:r>
+              <a:rPr lang="it-IT" sz="2000" dirty="0" err="1"/>
+              <a:t>vector</a:t>
+            </a:r>
+            <a:r>
+              <a:rPr lang="it-IT" sz="2000" dirty="0"/>
+              <a:t> x and </a:t>
+            </a:r>
+            <a:r>
+              <a:rPr lang="it-IT" sz="2000" dirty="0" err="1"/>
+              <a:t>tmp</a:t>
+            </a:r>
+            <a:endParaRPr lang="it-IT" sz="2000" dirty="0"/>
+          </a:p>
+        </p:txBody>
+      </p:sp>
     </p:spTree>
   </p:cSld>
   <p:clrMapOvr>
